--- a/Documentation/Pitches/Poster-fontys-MinorAR_robot-logistics-2.pptx
+++ b/Documentation/Pitches/Poster-fontys-MinorAR_robot-logistics-2.pptx
@@ -1918,10 +1918,69 @@
               <a:buFont typeface="Arial"/>
               <a:buChar char="•"/>
             </a:pPr>
-            <a:endParaRPr lang="en-US" sz="4000" dirty="0">
-              <a:latin typeface="Fontys Frutiger" panose="00000400000000000000" pitchFamily="2" charset="0"/>
-              <a:cs typeface="Helvetica Neue Light"/>
-            </a:endParaRPr>
+            <a:r>
+              <a:rPr lang="en-US" sz="4000" dirty="0">
+                <a:latin typeface="Fontys Frutiger" panose="00000400000000000000" pitchFamily="2" charset="0"/>
+                <a:cs typeface="Helvetica Neue Light"/>
+              </a:rPr>
+              <a:t>Logos Ubuntu, </a:t>
+            </a:r>
+            <a:r>
+              <a:rPr lang="en-US" sz="4000" dirty="0" err="1">
+                <a:latin typeface="Fontys Frutiger" panose="00000400000000000000" pitchFamily="2" charset="0"/>
+                <a:cs typeface="Helvetica Neue Light"/>
+              </a:rPr>
+              <a:t>ros</a:t>
+            </a:r>
+            <a:r>
+              <a:rPr lang="en-US" sz="4000" dirty="0">
+                <a:latin typeface="Fontys Frutiger" panose="00000400000000000000" pitchFamily="2" charset="0"/>
+                <a:cs typeface="Helvetica Neue Light"/>
+              </a:rPr>
+              <a:t>, </a:t>
+            </a:r>
+            <a:r>
+              <a:rPr lang="en-US" sz="4000" dirty="0" err="1">
+                <a:latin typeface="Fontys Frutiger" panose="00000400000000000000" pitchFamily="2" charset="0"/>
+                <a:cs typeface="Helvetica Neue Light"/>
+              </a:rPr>
+              <a:t>etc</a:t>
+            </a:r>
+            <a:r>
+              <a:rPr lang="en-US" sz="4000" dirty="0">
+                <a:latin typeface="Fontys Frutiger" panose="00000400000000000000" pitchFamily="2" charset="0"/>
+                <a:cs typeface="Helvetica Neue Light"/>
+              </a:rPr>
+              <a:t>, link </a:t>
+            </a:r>
+            <a:r>
+              <a:rPr lang="en-US" sz="4000" dirty="0" err="1">
+                <a:latin typeface="Fontys Frutiger" panose="00000400000000000000" pitchFamily="2" charset="0"/>
+                <a:cs typeface="Helvetica Neue Light"/>
+              </a:rPr>
+              <a:t>naar</a:t>
+            </a:r>
+            <a:r>
+              <a:rPr lang="en-US" sz="4000" dirty="0">
+                <a:latin typeface="Fontys Frutiger" panose="00000400000000000000" pitchFamily="2" charset="0"/>
+                <a:cs typeface="Helvetica Neue Light"/>
+              </a:rPr>
+              <a:t> </a:t>
+            </a:r>
+            <a:r>
+              <a:rPr lang="en-US" sz="4000" dirty="0" err="1">
+                <a:latin typeface="Fontys Frutiger" panose="00000400000000000000" pitchFamily="2" charset="0"/>
+                <a:cs typeface="Helvetica Neue Light"/>
+              </a:rPr>
+              <a:t>github</a:t>
+            </a:r>
+            <a:r>
+              <a:rPr lang="en-US" sz="4000" dirty="0">
+                <a:latin typeface="Fontys Frutiger" panose="00000400000000000000" pitchFamily="2" charset="0"/>
+                <a:cs typeface="Helvetica Neue Light"/>
+              </a:rPr>
+              <a:t>,</a:t>
+            </a:r>
           </a:p>
         </p:txBody>
       </p:sp>

--- a/Documentation/Pitches/Poster-fontys-MinorAR_robot-logistics-2.pptx
+++ b/Documentation/Pitches/Poster-fontys-MinorAR_robot-logistics-2.pptx
@@ -1224,7 +1224,7 @@
         <p:spPr>
           <a:xfrm>
             <a:off x="7985337" y="40766048"/>
-            <a:ext cx="9601623" cy="2078038"/>
+            <a:ext cx="11308503" cy="2078038"/>
           </a:xfrm>
         </p:spPr>
         <p:txBody>
@@ -1244,14 +1244,18 @@
             </a:br>
             <a:r>
               <a:rPr lang="en-US" dirty="0"/>
-              <a:t>Name Student</a:t>
+              <a:t>Robert </a:t>
+            </a:r>
+            <a:r>
+              <a:rPr lang="en-US" dirty="0" err="1"/>
+              <a:t>Delmaar</a:t>
             </a:r>
             <a:br>
               <a:rPr lang="en-US" dirty="0"/>
             </a:br>
             <a:r>
               <a:rPr lang="en-US" dirty="0"/>
-              <a:t>Name.student@student.fontys.nl</a:t>
+              <a:t>r.delmaar.student@student.fontys.nl</a:t>
             </a:r>
             <a:br>
               <a:rPr lang="en-US" dirty="0"/>
